--- a/INF3001_SAI/Papers/Deep face drawing.pptx
+++ b/INF3001_SAI/Papers/Deep face drawing.pptx
@@ -289,7 +289,7 @@
           <a:p>
             <a:fld id="{48A87A34-81AB-432B-8DAE-1953F412C126}" type="datetimeFigureOut">
               <a:rPr lang="en-US" dirty="0"/>
-              <a:t>10/13/2020</a:t>
+              <a:t>10/16/2020</a:t>
             </a:fld>
             <a:endParaRPr lang="en-US" dirty="0"/>
           </a:p>
@@ -551,7 +551,7 @@
           <a:p>
             <a:fld id="{48A87A34-81AB-432B-8DAE-1953F412C126}" type="datetimeFigureOut">
               <a:rPr lang="en-US" dirty="0"/>
-              <a:t>10/13/2020</a:t>
+              <a:t>10/16/2020</a:t>
             </a:fld>
             <a:endParaRPr lang="en-US" dirty="0"/>
           </a:p>
@@ -778,7 +778,7 @@
             <a:fld id="{48A87A34-81AB-432B-8DAE-1953F412C126}" type="datetimeFigureOut">
               <a:rPr lang="en-US" dirty="0"/>
               <a:pPr/>
-              <a:t>10/13/2020</a:t>
+              <a:t>10/16/2020</a:t>
             </a:fld>
             <a:endParaRPr lang="en-US" dirty="0"/>
           </a:p>
@@ -1084,7 +1084,7 @@
             <a:fld id="{48A87A34-81AB-432B-8DAE-1953F412C126}" type="datetimeFigureOut">
               <a:rPr lang="en-US" dirty="0"/>
               <a:pPr/>
-              <a:t>10/13/2020</a:t>
+              <a:t>10/16/2020</a:t>
             </a:fld>
             <a:endParaRPr lang="en-US" dirty="0"/>
           </a:p>
@@ -1553,7 +1553,7 @@
             <a:fld id="{48A87A34-81AB-432B-8DAE-1953F412C126}" type="datetimeFigureOut">
               <a:rPr lang="en-US" dirty="0"/>
               <a:pPr/>
-              <a:t>10/13/2020</a:t>
+              <a:t>10/16/2020</a:t>
             </a:fld>
             <a:endParaRPr lang="en-US" dirty="0"/>
           </a:p>
@@ -2095,7 +2095,7 @@
           <a:p>
             <a:fld id="{48A87A34-81AB-432B-8DAE-1953F412C126}" type="datetimeFigureOut">
               <a:rPr lang="en-US" dirty="0"/>
-              <a:t>10/13/2020</a:t>
+              <a:t>10/16/2020</a:t>
             </a:fld>
             <a:endParaRPr lang="en-US" dirty="0"/>
           </a:p>
@@ -2864,7 +2864,7 @@
           <a:p>
             <a:fld id="{48A87A34-81AB-432B-8DAE-1953F412C126}" type="datetimeFigureOut">
               <a:rPr lang="en-US" dirty="0"/>
-              <a:t>10/13/2020</a:t>
+              <a:t>10/16/2020</a:t>
             </a:fld>
             <a:endParaRPr lang="en-US" dirty="0"/>
           </a:p>
@@ -3034,7 +3034,7 @@
           <a:p>
             <a:fld id="{48A87A34-81AB-432B-8DAE-1953F412C126}" type="datetimeFigureOut">
               <a:rPr lang="en-US" dirty="0"/>
-              <a:t>10/13/2020</a:t>
+              <a:t>10/16/2020</a:t>
             </a:fld>
             <a:endParaRPr lang="en-US" dirty="0"/>
           </a:p>
@@ -3253,7 +3253,7 @@
             <a:fld id="{48A87A34-81AB-432B-8DAE-1953F412C126}" type="datetimeFigureOut">
               <a:rPr lang="en-US" dirty="0"/>
               <a:pPr/>
-              <a:t>10/13/2020</a:t>
+              <a:t>10/16/2020</a:t>
             </a:fld>
             <a:endParaRPr lang="en-US" dirty="0"/>
           </a:p>
@@ -3428,7 +3428,7 @@
           <a:p>
             <a:fld id="{48A87A34-81AB-432B-8DAE-1953F412C126}" type="datetimeFigureOut">
               <a:rPr lang="en-US" dirty="0"/>
-              <a:t>10/13/2020</a:t>
+              <a:t>10/16/2020</a:t>
             </a:fld>
             <a:endParaRPr lang="en-US" dirty="0"/>
           </a:p>
@@ -3713,7 +3713,7 @@
             <a:fld id="{48A87A34-81AB-432B-8DAE-1953F412C126}" type="datetimeFigureOut">
               <a:rPr lang="en-US" dirty="0"/>
               <a:pPr/>
-              <a:t>10/13/2020</a:t>
+              <a:t>10/16/2020</a:t>
             </a:fld>
             <a:endParaRPr lang="en-US" dirty="0"/>
           </a:p>
@@ -3950,7 +3950,7 @@
           <a:p>
             <a:fld id="{48A87A34-81AB-432B-8DAE-1953F412C126}" type="datetimeFigureOut">
               <a:rPr lang="en-US" dirty="0"/>
-              <a:t>10/13/2020</a:t>
+              <a:t>10/16/2020</a:t>
             </a:fld>
             <a:endParaRPr lang="en-US" dirty="0"/>
           </a:p>
@@ -4324,7 +4324,7 @@
           <a:p>
             <a:fld id="{48A87A34-81AB-432B-8DAE-1953F412C126}" type="datetimeFigureOut">
               <a:rPr lang="en-US" dirty="0"/>
-              <a:t>10/13/2020</a:t>
+              <a:t>10/16/2020</a:t>
             </a:fld>
             <a:endParaRPr lang="en-US" dirty="0"/>
           </a:p>
@@ -4437,7 +4437,7 @@
           <a:p>
             <a:fld id="{48A87A34-81AB-432B-8DAE-1953F412C126}" type="datetimeFigureOut">
               <a:rPr lang="en-US" dirty="0"/>
-              <a:t>10/13/2020</a:t>
+              <a:t>10/16/2020</a:t>
             </a:fld>
             <a:endParaRPr lang="en-US" dirty="0"/>
           </a:p>
@@ -4527,7 +4527,7 @@
           <a:p>
             <a:fld id="{48A87A34-81AB-432B-8DAE-1953F412C126}" type="datetimeFigureOut">
               <a:rPr lang="en-US" dirty="0"/>
-              <a:t>10/13/2020</a:t>
+              <a:t>10/16/2020</a:t>
             </a:fld>
             <a:endParaRPr lang="en-US" dirty="0"/>
           </a:p>
@@ -4771,7 +4771,7 @@
           <a:p>
             <a:fld id="{48A87A34-81AB-432B-8DAE-1953F412C126}" type="datetimeFigureOut">
               <a:rPr lang="en-US" dirty="0"/>
-              <a:t>10/13/2020</a:t>
+              <a:t>10/16/2020</a:t>
             </a:fld>
             <a:endParaRPr lang="en-US" dirty="0"/>
           </a:p>
@@ -5023,7 +5023,7 @@
           <a:p>
             <a:fld id="{48A87A34-81AB-432B-8DAE-1953F412C126}" type="datetimeFigureOut">
               <a:rPr lang="en-US" dirty="0"/>
-              <a:t>10/13/2020</a:t>
+              <a:t>10/16/2020</a:t>
             </a:fld>
             <a:endParaRPr lang="en-US" dirty="0"/>
           </a:p>
@@ -5262,7 +5262,7 @@
             <a:fld id="{48A87A34-81AB-432B-8DAE-1953F412C126}" type="datetimeFigureOut">
               <a:rPr lang="en-US" dirty="0"/>
               <a:pPr/>
-              <a:t>10/13/2020</a:t>
+              <a:t>10/16/2020</a:t>
             </a:fld>
             <a:endParaRPr lang="en-US" dirty="0"/>
           </a:p>
@@ -5954,8 +5954,8 @@
         </p:nvSpPr>
         <p:spPr>
           <a:xfrm>
-            <a:off x="9283995" y="6534543"/>
-            <a:ext cx="2908005" cy="249029"/>
+            <a:off x="10243116" y="6486307"/>
+            <a:ext cx="1948864" cy="249029"/>
           </a:xfrm>
           <a:prstGeom prst="rect">
             <a:avLst/>
@@ -5974,7 +5974,7 @@
               </a:spcAft>
             </a:pPr>
             <a:r>
-              <a:rPr lang="fr-FR" sz="1000"/>
+              <a:rPr lang="fr-FR" sz="1000" dirty="0"/>
               <a:t>Par Charles COGOLUEGNES</a:t>
             </a:r>
           </a:p>

--- a/INF3001_SAI/Papers/Deep face drawing.pptx
+++ b/INF3001_SAI/Papers/Deep face drawing.pptx
@@ -289,7 +289,7 @@
           <a:p>
             <a:fld id="{48A87A34-81AB-432B-8DAE-1953F412C126}" type="datetimeFigureOut">
               <a:rPr lang="en-US" dirty="0"/>
-              <a:t>10/16/2020</a:t>
+              <a:t>10/23/2020</a:t>
             </a:fld>
             <a:endParaRPr lang="en-US" dirty="0"/>
           </a:p>
@@ -551,7 +551,7 @@
           <a:p>
             <a:fld id="{48A87A34-81AB-432B-8DAE-1953F412C126}" type="datetimeFigureOut">
               <a:rPr lang="en-US" dirty="0"/>
-              <a:t>10/16/2020</a:t>
+              <a:t>10/23/2020</a:t>
             </a:fld>
             <a:endParaRPr lang="en-US" dirty="0"/>
           </a:p>
@@ -778,7 +778,7 @@
             <a:fld id="{48A87A34-81AB-432B-8DAE-1953F412C126}" type="datetimeFigureOut">
               <a:rPr lang="en-US" dirty="0"/>
               <a:pPr/>
-              <a:t>10/16/2020</a:t>
+              <a:t>10/23/2020</a:t>
             </a:fld>
             <a:endParaRPr lang="en-US" dirty="0"/>
           </a:p>
@@ -1084,7 +1084,7 @@
             <a:fld id="{48A87A34-81AB-432B-8DAE-1953F412C126}" type="datetimeFigureOut">
               <a:rPr lang="en-US" dirty="0"/>
               <a:pPr/>
-              <a:t>10/16/2020</a:t>
+              <a:t>10/23/2020</a:t>
             </a:fld>
             <a:endParaRPr lang="en-US" dirty="0"/>
           </a:p>
@@ -1553,7 +1553,7 @@
             <a:fld id="{48A87A34-81AB-432B-8DAE-1953F412C126}" type="datetimeFigureOut">
               <a:rPr lang="en-US" dirty="0"/>
               <a:pPr/>
-              <a:t>10/16/2020</a:t>
+              <a:t>10/23/2020</a:t>
             </a:fld>
             <a:endParaRPr lang="en-US" dirty="0"/>
           </a:p>
@@ -2095,7 +2095,7 @@
           <a:p>
             <a:fld id="{48A87A34-81AB-432B-8DAE-1953F412C126}" type="datetimeFigureOut">
               <a:rPr lang="en-US" dirty="0"/>
-              <a:t>10/16/2020</a:t>
+              <a:t>10/23/2020</a:t>
             </a:fld>
             <a:endParaRPr lang="en-US" dirty="0"/>
           </a:p>
@@ -2864,7 +2864,7 @@
           <a:p>
             <a:fld id="{48A87A34-81AB-432B-8DAE-1953F412C126}" type="datetimeFigureOut">
               <a:rPr lang="en-US" dirty="0"/>
-              <a:t>10/16/2020</a:t>
+              <a:t>10/23/2020</a:t>
             </a:fld>
             <a:endParaRPr lang="en-US" dirty="0"/>
           </a:p>
@@ -3034,7 +3034,7 @@
           <a:p>
             <a:fld id="{48A87A34-81AB-432B-8DAE-1953F412C126}" type="datetimeFigureOut">
               <a:rPr lang="en-US" dirty="0"/>
-              <a:t>10/16/2020</a:t>
+              <a:t>10/23/2020</a:t>
             </a:fld>
             <a:endParaRPr lang="en-US" dirty="0"/>
           </a:p>
@@ -3253,7 +3253,7 @@
             <a:fld id="{48A87A34-81AB-432B-8DAE-1953F412C126}" type="datetimeFigureOut">
               <a:rPr lang="en-US" dirty="0"/>
               <a:pPr/>
-              <a:t>10/16/2020</a:t>
+              <a:t>10/23/2020</a:t>
             </a:fld>
             <a:endParaRPr lang="en-US" dirty="0"/>
           </a:p>
@@ -3428,7 +3428,7 @@
           <a:p>
             <a:fld id="{48A87A34-81AB-432B-8DAE-1953F412C126}" type="datetimeFigureOut">
               <a:rPr lang="en-US" dirty="0"/>
-              <a:t>10/16/2020</a:t>
+              <a:t>10/23/2020</a:t>
             </a:fld>
             <a:endParaRPr lang="en-US" dirty="0"/>
           </a:p>
@@ -3713,7 +3713,7 @@
             <a:fld id="{48A87A34-81AB-432B-8DAE-1953F412C126}" type="datetimeFigureOut">
               <a:rPr lang="en-US" dirty="0"/>
               <a:pPr/>
-              <a:t>10/16/2020</a:t>
+              <a:t>10/23/2020</a:t>
             </a:fld>
             <a:endParaRPr lang="en-US" dirty="0"/>
           </a:p>
@@ -3950,7 +3950,7 @@
           <a:p>
             <a:fld id="{48A87A34-81AB-432B-8DAE-1953F412C126}" type="datetimeFigureOut">
               <a:rPr lang="en-US" dirty="0"/>
-              <a:t>10/16/2020</a:t>
+              <a:t>10/23/2020</a:t>
             </a:fld>
             <a:endParaRPr lang="en-US" dirty="0"/>
           </a:p>
@@ -4324,7 +4324,7 @@
           <a:p>
             <a:fld id="{48A87A34-81AB-432B-8DAE-1953F412C126}" type="datetimeFigureOut">
               <a:rPr lang="en-US" dirty="0"/>
-              <a:t>10/16/2020</a:t>
+              <a:t>10/23/2020</a:t>
             </a:fld>
             <a:endParaRPr lang="en-US" dirty="0"/>
           </a:p>
@@ -4437,7 +4437,7 @@
           <a:p>
             <a:fld id="{48A87A34-81AB-432B-8DAE-1953F412C126}" type="datetimeFigureOut">
               <a:rPr lang="en-US" dirty="0"/>
-              <a:t>10/16/2020</a:t>
+              <a:t>10/23/2020</a:t>
             </a:fld>
             <a:endParaRPr lang="en-US" dirty="0"/>
           </a:p>
@@ -4527,7 +4527,7 @@
           <a:p>
             <a:fld id="{48A87A34-81AB-432B-8DAE-1953F412C126}" type="datetimeFigureOut">
               <a:rPr lang="en-US" dirty="0"/>
-              <a:t>10/16/2020</a:t>
+              <a:t>10/23/2020</a:t>
             </a:fld>
             <a:endParaRPr lang="en-US" dirty="0"/>
           </a:p>
@@ -4771,7 +4771,7 @@
           <a:p>
             <a:fld id="{48A87A34-81AB-432B-8DAE-1953F412C126}" type="datetimeFigureOut">
               <a:rPr lang="en-US" dirty="0"/>
-              <a:t>10/16/2020</a:t>
+              <a:t>10/23/2020</a:t>
             </a:fld>
             <a:endParaRPr lang="en-US" dirty="0"/>
           </a:p>
@@ -5023,7 +5023,7 @@
           <a:p>
             <a:fld id="{48A87A34-81AB-432B-8DAE-1953F412C126}" type="datetimeFigureOut">
               <a:rPr lang="en-US" dirty="0"/>
-              <a:t>10/16/2020</a:t>
+              <a:t>10/23/2020</a:t>
             </a:fld>
             <a:endParaRPr lang="en-US" dirty="0"/>
           </a:p>
@@ -5262,7 +5262,7 @@
             <a:fld id="{48A87A34-81AB-432B-8DAE-1953F412C126}" type="datetimeFigureOut">
               <a:rPr lang="en-US" dirty="0"/>
               <a:pPr/>
-              <a:t>10/16/2020</a:t>
+              <a:t>10/23/2020</a:t>
             </a:fld>
             <a:endParaRPr lang="en-US" dirty="0"/>
           </a:p>
@@ -6961,7 +6961,7 @@
         <p:spPr>
           <a:xfrm>
             <a:off x="685800" y="2641017"/>
-            <a:ext cx="3977639" cy="3854112"/>
+            <a:ext cx="4286899" cy="3854112"/>
           </a:xfrm>
         </p:spPr>
         <p:txBody>
@@ -6976,7 +6976,7 @@
             </a:r>
             <a:r>
               <a:rPr lang="fr-FR" sz="1600" dirty="0"/>
-              <a:t> de paires croquis-image : 17 702 échantillons (16 860 / 842)</a:t>
+              <a:t> de paires croquis-image : 	    17 702 échantillons (16 860 / 842)</a:t>
             </a:r>
           </a:p>
           <a:p>
@@ -7009,7 +7009,7 @@
               <a:rPr lang="fr-FR" sz="1600" dirty="0">
                 <a:sym typeface="Wingdings" panose="05000000000000000000" pitchFamily="2" charset="2"/>
               </a:rPr>
-              <a:t> encodage  projection  mapping  synthétisation</a:t>
+              <a:t> encodage / projection  mapping  synthétisation</a:t>
             </a:r>
             <a:endParaRPr lang="fr-FR" sz="1600" dirty="0"/>
           </a:p>
@@ -7112,10 +7112,9 @@
           <a:lstStyle/>
           <a:p>
             <a:r>
-              <a:rPr lang="fr-FR"/>
+              <a:rPr lang="fr-FR" dirty="0"/>
               <a:t>Les applications</a:t>
             </a:r>
-            <a:endParaRPr lang="fr-FR" dirty="0"/>
           </a:p>
         </p:txBody>
       </p:sp>
@@ -7167,7 +7166,7 @@
           <a:p>
             <a:r>
               <a:rPr lang="fr-FR" dirty="0"/>
-              <a:t>Face Copy-Paste, mélange de différents traits du visage</a:t>
+              <a:t>Face Copy-Paste, assemblage de différents traits du visage</a:t>
             </a:r>
           </a:p>
         </p:txBody>

--- a/INF3001_SAI/Papers/Deep face drawing.pptx
+++ b/INF3001_SAI/Papers/Deep face drawing.pptx
@@ -9,10 +9,11 @@
     <p:sldId id="257" r:id="rId3"/>
     <p:sldId id="258" r:id="rId4"/>
     <p:sldId id="262" r:id="rId5"/>
-    <p:sldId id="259" r:id="rId6"/>
-    <p:sldId id="260" r:id="rId7"/>
-    <p:sldId id="261" r:id="rId8"/>
-    <p:sldId id="263" r:id="rId9"/>
+    <p:sldId id="264" r:id="rId6"/>
+    <p:sldId id="259" r:id="rId7"/>
+    <p:sldId id="260" r:id="rId8"/>
+    <p:sldId id="261" r:id="rId9"/>
+    <p:sldId id="263" r:id="rId10"/>
   </p:sldIdLst>
   <p:sldSz cx="12192000" cy="6858000"/>
   <p:notesSz cx="6858000" cy="9144000"/>
@@ -289,7 +290,7 @@
           <a:p>
             <a:fld id="{48A87A34-81AB-432B-8DAE-1953F412C126}" type="datetimeFigureOut">
               <a:rPr lang="en-US" dirty="0"/>
-              <a:t>10/23/2020</a:t>
+              <a:t>11/6/2020</a:t>
             </a:fld>
             <a:endParaRPr lang="en-US" dirty="0"/>
           </a:p>
@@ -551,7 +552,7 @@
           <a:p>
             <a:fld id="{48A87A34-81AB-432B-8DAE-1953F412C126}" type="datetimeFigureOut">
               <a:rPr lang="en-US" dirty="0"/>
-              <a:t>10/23/2020</a:t>
+              <a:t>11/6/2020</a:t>
             </a:fld>
             <a:endParaRPr lang="en-US" dirty="0"/>
           </a:p>
@@ -778,7 +779,7 @@
             <a:fld id="{48A87A34-81AB-432B-8DAE-1953F412C126}" type="datetimeFigureOut">
               <a:rPr lang="en-US" dirty="0"/>
               <a:pPr/>
-              <a:t>10/23/2020</a:t>
+              <a:t>11/6/2020</a:t>
             </a:fld>
             <a:endParaRPr lang="en-US" dirty="0"/>
           </a:p>
@@ -1084,7 +1085,7 @@
             <a:fld id="{48A87A34-81AB-432B-8DAE-1953F412C126}" type="datetimeFigureOut">
               <a:rPr lang="en-US" dirty="0"/>
               <a:pPr/>
-              <a:t>10/23/2020</a:t>
+              <a:t>11/6/2020</a:t>
             </a:fld>
             <a:endParaRPr lang="en-US" dirty="0"/>
           </a:p>
@@ -1553,7 +1554,7 @@
             <a:fld id="{48A87A34-81AB-432B-8DAE-1953F412C126}" type="datetimeFigureOut">
               <a:rPr lang="en-US" dirty="0"/>
               <a:pPr/>
-              <a:t>10/23/2020</a:t>
+              <a:t>11/6/2020</a:t>
             </a:fld>
             <a:endParaRPr lang="en-US" dirty="0"/>
           </a:p>
@@ -2095,7 +2096,7 @@
           <a:p>
             <a:fld id="{48A87A34-81AB-432B-8DAE-1953F412C126}" type="datetimeFigureOut">
               <a:rPr lang="en-US" dirty="0"/>
-              <a:t>10/23/2020</a:t>
+              <a:t>11/6/2020</a:t>
             </a:fld>
             <a:endParaRPr lang="en-US" dirty="0"/>
           </a:p>
@@ -2864,7 +2865,7 @@
           <a:p>
             <a:fld id="{48A87A34-81AB-432B-8DAE-1953F412C126}" type="datetimeFigureOut">
               <a:rPr lang="en-US" dirty="0"/>
-              <a:t>10/23/2020</a:t>
+              <a:t>11/6/2020</a:t>
             </a:fld>
             <a:endParaRPr lang="en-US" dirty="0"/>
           </a:p>
@@ -3034,7 +3035,7 @@
           <a:p>
             <a:fld id="{48A87A34-81AB-432B-8DAE-1953F412C126}" type="datetimeFigureOut">
               <a:rPr lang="en-US" dirty="0"/>
-              <a:t>10/23/2020</a:t>
+              <a:t>11/6/2020</a:t>
             </a:fld>
             <a:endParaRPr lang="en-US" dirty="0"/>
           </a:p>
@@ -3253,7 +3254,7 @@
             <a:fld id="{48A87A34-81AB-432B-8DAE-1953F412C126}" type="datetimeFigureOut">
               <a:rPr lang="en-US" dirty="0"/>
               <a:pPr/>
-              <a:t>10/23/2020</a:t>
+              <a:t>11/6/2020</a:t>
             </a:fld>
             <a:endParaRPr lang="en-US" dirty="0"/>
           </a:p>
@@ -3428,7 +3429,7 @@
           <a:p>
             <a:fld id="{48A87A34-81AB-432B-8DAE-1953F412C126}" type="datetimeFigureOut">
               <a:rPr lang="en-US" dirty="0"/>
-              <a:t>10/23/2020</a:t>
+              <a:t>11/6/2020</a:t>
             </a:fld>
             <a:endParaRPr lang="en-US" dirty="0"/>
           </a:p>
@@ -3713,7 +3714,7 @@
             <a:fld id="{48A87A34-81AB-432B-8DAE-1953F412C126}" type="datetimeFigureOut">
               <a:rPr lang="en-US" dirty="0"/>
               <a:pPr/>
-              <a:t>10/23/2020</a:t>
+              <a:t>11/6/2020</a:t>
             </a:fld>
             <a:endParaRPr lang="en-US" dirty="0"/>
           </a:p>
@@ -3950,7 +3951,7 @@
           <a:p>
             <a:fld id="{48A87A34-81AB-432B-8DAE-1953F412C126}" type="datetimeFigureOut">
               <a:rPr lang="en-US" dirty="0"/>
-              <a:t>10/23/2020</a:t>
+              <a:t>11/6/2020</a:t>
             </a:fld>
             <a:endParaRPr lang="en-US" dirty="0"/>
           </a:p>
@@ -4324,7 +4325,7 @@
           <a:p>
             <a:fld id="{48A87A34-81AB-432B-8DAE-1953F412C126}" type="datetimeFigureOut">
               <a:rPr lang="en-US" dirty="0"/>
-              <a:t>10/23/2020</a:t>
+              <a:t>11/6/2020</a:t>
             </a:fld>
             <a:endParaRPr lang="en-US" dirty="0"/>
           </a:p>
@@ -4437,7 +4438,7 @@
           <a:p>
             <a:fld id="{48A87A34-81AB-432B-8DAE-1953F412C126}" type="datetimeFigureOut">
               <a:rPr lang="en-US" dirty="0"/>
-              <a:t>10/23/2020</a:t>
+              <a:t>11/6/2020</a:t>
             </a:fld>
             <a:endParaRPr lang="en-US" dirty="0"/>
           </a:p>
@@ -4527,7 +4528,7 @@
           <a:p>
             <a:fld id="{48A87A34-81AB-432B-8DAE-1953F412C126}" type="datetimeFigureOut">
               <a:rPr lang="en-US" dirty="0"/>
-              <a:t>10/23/2020</a:t>
+              <a:t>11/6/2020</a:t>
             </a:fld>
             <a:endParaRPr lang="en-US" dirty="0"/>
           </a:p>
@@ -4771,7 +4772,7 @@
           <a:p>
             <a:fld id="{48A87A34-81AB-432B-8DAE-1953F412C126}" type="datetimeFigureOut">
               <a:rPr lang="en-US" dirty="0"/>
-              <a:t>10/23/2020</a:t>
+              <a:t>11/6/2020</a:t>
             </a:fld>
             <a:endParaRPr lang="en-US" dirty="0"/>
           </a:p>
@@ -5023,7 +5024,7 @@
           <a:p>
             <a:fld id="{48A87A34-81AB-432B-8DAE-1953F412C126}" type="datetimeFigureOut">
               <a:rPr lang="en-US" dirty="0"/>
-              <a:t>10/23/2020</a:t>
+              <a:t>11/6/2020</a:t>
             </a:fld>
             <a:endParaRPr lang="en-US" dirty="0"/>
           </a:p>
@@ -5262,7 +5263,7 @@
             <a:fld id="{48A87A34-81AB-432B-8DAE-1953F412C126}" type="datetimeFigureOut">
               <a:rPr lang="en-US" dirty="0"/>
               <a:pPr/>
-              <a:t>10/23/2020</a:t>
+              <a:t>11/6/2020</a:t>
             </a:fld>
             <a:endParaRPr lang="en-US" dirty="0"/>
           </a:p>
@@ -6801,21 +6802,21 @@
           <a:chExt cx="0" cy="0"/>
         </a:xfrm>
       </p:grpSpPr>
-      <p:sp useBgFill="1">
-        <p:nvSpPr>
-          <p:cNvPr id="26" name="Rectangle 8">
+      <p:pic>
+        <p:nvPicPr>
+          <p:cNvPr id="22" name="Picture 21">
             <a:extLst>
               <a:ext uri="{FF2B5EF4-FFF2-40B4-BE49-F238E27FC236}">
-                <a16:creationId xmlns:a16="http://schemas.microsoft.com/office/drawing/2014/main" id="{CD94F7C0-1344-4B3C-AFCB-E7F006BB5348}"/>
+                <a16:creationId xmlns:a16="http://schemas.microsoft.com/office/drawing/2014/main" id="{95DD5BC2-A8E7-4CAD-955A-3807355EC977}"/>
               </a:ext>
               <a:ext uri="{C183D7F6-B498-43B3-948B-1728B52AA6E4}">
                 <adec:decorative xmlns:adec="http://schemas.microsoft.com/office/drawing/2017/decorative" val="1"/>
               </a:ext>
             </a:extLst>
           </p:cNvPr>
-          <p:cNvSpPr>
-            <a:spLocks noGrp="1" noRot="1" noChangeAspect="1" noMove="1" noResize="1" noEditPoints="1" noAdjustHandles="1" noChangeArrowheads="1" noChangeShapeType="1" noTextEdit="1"/>
-          </p:cNvSpPr>
+          <p:cNvPicPr>
+            <a:picLocks noGrp="1" noRot="1" noChangeAspect="1" noMove="1" noResize="1" noEditPoints="1" noAdjustHandles="1" noChangeArrowheads="1" noChangeShapeType="1" noCrop="1"/>
+          </p:cNvPicPr>
           <p:nvPr>
             <p:extLst>
               <p:ext uri="{386F3935-93C4-4BCD-93E2-E3B085C9AB24}">
@@ -6823,18 +6824,73 @@
               </p:ext>
             </p:extLst>
           </p:nvPr>
-        </p:nvSpPr>
+        </p:nvPicPr>
+        <p:blipFill>
+          <a:blip r:embed="rId2">
+            <a:extLst>
+              <a:ext uri="{28A0092B-C50C-407E-A947-70E740481C1C}">
+                <a14:useLocalDpi xmlns:a14="http://schemas.microsoft.com/office/drawing/2010/main" val="0"/>
+              </a:ext>
+            </a:extLst>
+          </a:blip>
+          <a:stretch>
+            <a:fillRect/>
+          </a:stretch>
+        </p:blipFill>
         <p:spPr>
           <a:xfrm>
             <a:off x="0" y="0"/>
-            <a:ext cx="12192000" cy="6858000"/>
+            <a:ext cx="12192000" cy="1441450"/>
           </a:xfrm>
           <a:prstGeom prst="rect">
             <a:avLst/>
           </a:prstGeom>
+        </p:spPr>
+      </p:pic>
+      <p:sp>
+        <p:nvSpPr>
+          <p:cNvPr id="24" name="Rounded Rectangle 11">
+            <a:extLst>
+              <a:ext uri="{FF2B5EF4-FFF2-40B4-BE49-F238E27FC236}">
+                <a16:creationId xmlns:a16="http://schemas.microsoft.com/office/drawing/2014/main" id="{2770B5F4-AED0-4A3A-859D-B6239ED38A3B}"/>
+              </a:ext>
+              <a:ext uri="{C183D7F6-B498-43B3-948B-1728B52AA6E4}">
+                <adec:decorative xmlns:adec="http://schemas.microsoft.com/office/drawing/2017/decorative" val="1"/>
+              </a:ext>
+            </a:extLst>
+          </p:cNvPr>
+          <p:cNvSpPr>
+            <a:spLocks noGrp="1" noRot="1" noChangeAspect="1" noMove="1" noResize="1" noEditPoints="1" noAdjustHandles="1" noChangeArrowheads="1" noChangeShapeType="1" noTextEdit="1"/>
+          </p:cNvSpPr>
+          <p:nvPr>
+            <p:extLst>
+              <p:ext uri="{386F3935-93C4-4BCD-93E2-E3B085C9AB24}">
+                <p16:designElem xmlns:p16="http://schemas.microsoft.com/office/powerpoint/2015/main" val="1"/>
+              </p:ext>
+            </p:extLst>
+          </p:nvPr>
+        </p:nvSpPr>
+        <p:spPr>
+          <a:xfrm>
+            <a:off x="643403" y="643464"/>
+            <a:ext cx="10905195" cy="5571072"/>
+          </a:xfrm>
+          <a:prstGeom prst="roundRect">
+            <a:avLst>
+              <a:gd name="adj" fmla="val 2403"/>
+            </a:avLst>
+          </a:prstGeom>
+          <a:solidFill>
+            <a:srgbClr val="FFFFFF"/>
+          </a:solidFill>
           <a:ln>
             <a:noFill/>
           </a:ln>
+          <a:effectLst>
+            <a:innerShdw blurRad="114300">
+              <a:prstClr val="black"/>
+            </a:innerShdw>
+          </a:effectLst>
         </p:spPr>
         <p:style>
           <a:lnRef idx="2">
@@ -6863,164 +6919,10 @@
       </p:sp>
       <p:pic>
         <p:nvPicPr>
-          <p:cNvPr id="11" name="Picture 10">
-            <a:extLst>
-              <a:ext uri="{FF2B5EF4-FFF2-40B4-BE49-F238E27FC236}">
-                <a16:creationId xmlns:a16="http://schemas.microsoft.com/office/drawing/2014/main" id="{4EC584A2-4215-4DB8-AE1F-E3768D77E8DE}"/>
-              </a:ext>
-              <a:ext uri="{C183D7F6-B498-43B3-948B-1728B52AA6E4}">
-                <adec:decorative xmlns:adec="http://schemas.microsoft.com/office/drawing/2017/decorative" val="1"/>
-              </a:ext>
-            </a:extLst>
-          </p:cNvPr>
-          <p:cNvPicPr>
-            <a:picLocks noGrp="1" noRot="1" noChangeAspect="1" noMove="1" noResize="1" noEditPoints="1" noAdjustHandles="1" noChangeArrowheads="1" noChangeShapeType="1" noCrop="1"/>
-          </p:cNvPicPr>
-          <p:nvPr>
-            <p:extLst>
-              <p:ext uri="{386F3935-93C4-4BCD-93E2-E3B085C9AB24}">
-                <p16:designElem xmlns:p16="http://schemas.microsoft.com/office/powerpoint/2015/main" val="1"/>
-              </p:ext>
-            </p:extLst>
-          </p:nvPr>
-        </p:nvPicPr>
-        <p:blipFill>
-          <a:blip r:embed="rId2">
-            <a:extLst>
-              <a:ext uri="{28A0092B-C50C-407E-A947-70E740481C1C}">
-                <a14:useLocalDpi xmlns:a14="http://schemas.microsoft.com/office/drawing/2010/main" val="0"/>
-              </a:ext>
-            </a:extLst>
-          </a:blip>
-          <a:stretch>
-            <a:fillRect/>
-          </a:stretch>
-        </p:blipFill>
-        <p:spPr>
-          <a:xfrm>
-            <a:off x="0" y="0"/>
-            <a:ext cx="12192000" cy="1441450"/>
-          </a:xfrm>
-          <a:prstGeom prst="rect">
-            <a:avLst/>
-          </a:prstGeom>
-        </p:spPr>
-      </p:pic>
-      <p:sp>
-        <p:nvSpPr>
-          <p:cNvPr id="2" name="Titre 1">
-            <a:extLst>
-              <a:ext uri="{FF2B5EF4-FFF2-40B4-BE49-F238E27FC236}">
-                <a16:creationId xmlns:a16="http://schemas.microsoft.com/office/drawing/2014/main" id="{136F150E-D111-4E2B-A29E-91C60351C172}"/>
-              </a:ext>
-            </a:extLst>
-          </p:cNvPr>
-          <p:cNvSpPr>
-            <a:spLocks noGrp="1"/>
-          </p:cNvSpPr>
-          <p:nvPr>
-            <p:ph type="title"/>
-          </p:nvPr>
-        </p:nvSpPr>
-        <p:spPr>
-          <a:xfrm>
-            <a:off x="191387" y="764373"/>
-            <a:ext cx="4472052" cy="1600200"/>
-          </a:xfrm>
-        </p:spPr>
-        <p:txBody>
-          <a:bodyPr anchor="b">
-            <a:normAutofit/>
-          </a:bodyPr>
-          <a:lstStyle/>
-          <a:p>
-            <a:pPr algn="l"/>
-            <a:r>
-              <a:rPr lang="fr-FR" sz="3200" dirty="0"/>
-              <a:t>Le fonctionnement</a:t>
-            </a:r>
-          </a:p>
-        </p:txBody>
-      </p:sp>
-      <p:sp>
-        <p:nvSpPr>
-          <p:cNvPr id="3" name="Espace réservé du contenu 2">
-            <a:extLst>
-              <a:ext uri="{FF2B5EF4-FFF2-40B4-BE49-F238E27FC236}">
-                <a16:creationId xmlns:a16="http://schemas.microsoft.com/office/drawing/2014/main" id="{D7C55BE9-DE91-4E4B-9EA8-02888E2966F7}"/>
-              </a:ext>
-            </a:extLst>
-          </p:cNvPr>
-          <p:cNvSpPr>
-            <a:spLocks noGrp="1"/>
-          </p:cNvSpPr>
-          <p:nvPr>
-            <p:ph idx="1"/>
-          </p:nvPr>
-        </p:nvSpPr>
-        <p:spPr>
-          <a:xfrm>
-            <a:off x="685800" y="2641017"/>
-            <a:ext cx="4286899" cy="3854112"/>
-          </a:xfrm>
-        </p:spPr>
-        <p:txBody>
-          <a:bodyPr>
-            <a:normAutofit/>
-          </a:bodyPr>
-          <a:lstStyle/>
-          <a:p>
-            <a:r>
-              <a:rPr lang="fr-FR" sz="1600" dirty="0" err="1"/>
-              <a:t>Dataset</a:t>
-            </a:r>
-            <a:r>
-              <a:rPr lang="fr-FR" sz="1600" dirty="0"/>
-              <a:t> de paires croquis-image : 	    17 702 échantillons (16 860 / 842)</a:t>
-            </a:r>
-          </a:p>
-          <a:p>
-            <a:endParaRPr lang="fr-FR" sz="1600" dirty="0"/>
-          </a:p>
-          <a:p>
-            <a:r>
-              <a:rPr lang="fr-FR" sz="1600" dirty="0"/>
-              <a:t>3 modules principaux, 2 réseaux de neurones profonds</a:t>
-            </a:r>
-          </a:p>
-          <a:p>
-            <a:endParaRPr lang="fr-FR" sz="1600" dirty="0"/>
-          </a:p>
-          <a:p>
-            <a:r>
-              <a:rPr lang="fr-FR" sz="1600" dirty="0"/>
-              <a:t>4 caractéristiques afin d’identifier un visage</a:t>
-            </a:r>
-          </a:p>
-          <a:p>
-            <a:endParaRPr lang="fr-FR" sz="1600" dirty="0"/>
-          </a:p>
-          <a:p>
-            <a:r>
-              <a:rPr lang="fr-FR" sz="1600" dirty="0"/>
-              <a:t>Identification </a:t>
-            </a:r>
-            <a:r>
-              <a:rPr lang="fr-FR" sz="1600" dirty="0">
-                <a:sym typeface="Wingdings" panose="05000000000000000000" pitchFamily="2" charset="2"/>
-              </a:rPr>
-              <a:t> encodage / projection  mapping  synthétisation</a:t>
-            </a:r>
-            <a:endParaRPr lang="fr-FR" sz="1600" dirty="0"/>
-          </a:p>
-        </p:txBody>
-      </p:sp>
-      <p:pic>
-        <p:nvPicPr>
           <p:cNvPr id="4" name="Image 3">
             <a:extLst>
               <a:ext uri="{FF2B5EF4-FFF2-40B4-BE49-F238E27FC236}">
-                <a16:creationId xmlns:a16="http://schemas.microsoft.com/office/drawing/2014/main" id="{08251D5C-F4D6-469D-AACA-B05E651EC996}"/>
+                <a16:creationId xmlns:a16="http://schemas.microsoft.com/office/drawing/2014/main" id="{0D016295-2A21-474B-8284-A3B464D59E7E}"/>
               </a:ext>
             </a:extLst>
           </p:cNvPr>
@@ -7037,18 +6939,22 @@
         </p:blipFill>
         <p:spPr>
           <a:xfrm>
-            <a:off x="4972699" y="1457020"/>
-            <a:ext cx="6533501" cy="4050770"/>
+            <a:off x="1035113" y="873252"/>
+            <a:ext cx="10121774" cy="5111496"/>
           </a:xfrm>
           <a:prstGeom prst="rect">
             <a:avLst/>
           </a:prstGeom>
+          <a:ln w="31750" cap="sq">
+            <a:noFill/>
+            <a:miter lim="800000"/>
+          </a:ln>
         </p:spPr>
       </p:pic>
     </p:spTree>
     <p:extLst>
       <p:ext uri="{BB962C8B-B14F-4D97-AF65-F5344CB8AC3E}">
-        <p14:creationId xmlns:p14="http://schemas.microsoft.com/office/powerpoint/2010/main" val="3190423085"/>
+        <p14:creationId xmlns:p14="http://schemas.microsoft.com/office/powerpoint/2010/main" val="2225001259"/>
       </p:ext>
     </p:extLst>
   </p:cSld>
@@ -7083,12 +6989,117 @@
           <a:chExt cx="0" cy="0"/>
         </a:xfrm>
       </p:grpSpPr>
+      <p:sp useBgFill="1">
+        <p:nvSpPr>
+          <p:cNvPr id="26" name="Rectangle 8">
+            <a:extLst>
+              <a:ext uri="{FF2B5EF4-FFF2-40B4-BE49-F238E27FC236}">
+                <a16:creationId xmlns:a16="http://schemas.microsoft.com/office/drawing/2014/main" id="{CD94F7C0-1344-4B3C-AFCB-E7F006BB5348}"/>
+              </a:ext>
+              <a:ext uri="{C183D7F6-B498-43B3-948B-1728B52AA6E4}">
+                <adec:decorative xmlns:adec="http://schemas.microsoft.com/office/drawing/2017/decorative" val="1"/>
+              </a:ext>
+            </a:extLst>
+          </p:cNvPr>
+          <p:cNvSpPr>
+            <a:spLocks noGrp="1" noRot="1" noChangeAspect="1" noMove="1" noResize="1" noEditPoints="1" noAdjustHandles="1" noChangeArrowheads="1" noChangeShapeType="1" noTextEdit="1"/>
+          </p:cNvSpPr>
+          <p:nvPr>
+            <p:extLst>
+              <p:ext uri="{386F3935-93C4-4BCD-93E2-E3B085C9AB24}">
+                <p16:designElem xmlns:p16="http://schemas.microsoft.com/office/powerpoint/2015/main" val="1"/>
+              </p:ext>
+            </p:extLst>
+          </p:nvPr>
+        </p:nvSpPr>
+        <p:spPr>
+          <a:xfrm>
+            <a:off x="0" y="0"/>
+            <a:ext cx="12192000" cy="6858000"/>
+          </a:xfrm>
+          <a:prstGeom prst="rect">
+            <a:avLst/>
+          </a:prstGeom>
+          <a:ln>
+            <a:noFill/>
+          </a:ln>
+        </p:spPr>
+        <p:style>
+          <a:lnRef idx="2">
+            <a:schemeClr val="accent1">
+              <a:shade val="50000"/>
+            </a:schemeClr>
+          </a:lnRef>
+          <a:fillRef idx="1">
+            <a:schemeClr val="accent1"/>
+          </a:fillRef>
+          <a:effectRef idx="0">
+            <a:schemeClr val="accent1"/>
+          </a:effectRef>
+          <a:fontRef idx="minor">
+            <a:schemeClr val="lt1"/>
+          </a:fontRef>
+        </p:style>
+        <p:txBody>
+          <a:bodyPr rtlCol="0" anchor="ctr"/>
+          <a:lstStyle/>
+          <a:p>
+            <a:pPr algn="ctr"/>
+            <a:endParaRPr lang="en-US"/>
+          </a:p>
+        </p:txBody>
+      </p:sp>
+      <p:pic>
+        <p:nvPicPr>
+          <p:cNvPr id="11" name="Picture 10">
+            <a:extLst>
+              <a:ext uri="{FF2B5EF4-FFF2-40B4-BE49-F238E27FC236}">
+                <a16:creationId xmlns:a16="http://schemas.microsoft.com/office/drawing/2014/main" id="{4EC584A2-4215-4DB8-AE1F-E3768D77E8DE}"/>
+              </a:ext>
+              <a:ext uri="{C183D7F6-B498-43B3-948B-1728B52AA6E4}">
+                <adec:decorative xmlns:adec="http://schemas.microsoft.com/office/drawing/2017/decorative" val="1"/>
+              </a:ext>
+            </a:extLst>
+          </p:cNvPr>
+          <p:cNvPicPr>
+            <a:picLocks noGrp="1" noRot="1" noChangeAspect="1" noMove="1" noResize="1" noEditPoints="1" noAdjustHandles="1" noChangeArrowheads="1" noChangeShapeType="1" noCrop="1"/>
+          </p:cNvPicPr>
+          <p:nvPr>
+            <p:extLst>
+              <p:ext uri="{386F3935-93C4-4BCD-93E2-E3B085C9AB24}">
+                <p16:designElem xmlns:p16="http://schemas.microsoft.com/office/powerpoint/2015/main" val="1"/>
+              </p:ext>
+            </p:extLst>
+          </p:nvPr>
+        </p:nvPicPr>
+        <p:blipFill>
+          <a:blip r:embed="rId2">
+            <a:extLst>
+              <a:ext uri="{28A0092B-C50C-407E-A947-70E740481C1C}">
+                <a14:useLocalDpi xmlns:a14="http://schemas.microsoft.com/office/drawing/2010/main" val="0"/>
+              </a:ext>
+            </a:extLst>
+          </a:blip>
+          <a:stretch>
+            <a:fillRect/>
+          </a:stretch>
+        </p:blipFill>
+        <p:spPr>
+          <a:xfrm>
+            <a:off x="0" y="0"/>
+            <a:ext cx="12192000" cy="1441450"/>
+          </a:xfrm>
+          <a:prstGeom prst="rect">
+            <a:avLst/>
+          </a:prstGeom>
+        </p:spPr>
+      </p:pic>
       <p:sp>
         <p:nvSpPr>
           <p:cNvPr id="2" name="Titre 1">
             <a:extLst>
               <a:ext uri="{FF2B5EF4-FFF2-40B4-BE49-F238E27FC236}">
-                <a16:creationId xmlns:a16="http://schemas.microsoft.com/office/drawing/2014/main" id="{976F80D1-03E6-4887-83B1-53CF8EC96ECA}"/>
+                <a16:creationId xmlns:a16="http://schemas.microsoft.com/office/drawing/2014/main" id="{136F150E-D111-4E2B-A29E-91C60351C172}"/>
               </a:ext>
             </a:extLst>
           </p:cNvPr>
@@ -7101,8 +7112,44 @@
         </p:nvSpPr>
         <p:spPr>
           <a:xfrm>
-            <a:off x="2895600" y="764373"/>
-            <a:ext cx="8610600" cy="1293028"/>
+            <a:off x="191387" y="764373"/>
+            <a:ext cx="4472052" cy="1600200"/>
+          </a:xfrm>
+        </p:spPr>
+        <p:txBody>
+          <a:bodyPr anchor="b">
+            <a:normAutofit/>
+          </a:bodyPr>
+          <a:lstStyle/>
+          <a:p>
+            <a:pPr algn="l"/>
+            <a:r>
+              <a:rPr lang="fr-FR" sz="3200" dirty="0"/>
+              <a:t>Le fonctionnement</a:t>
+            </a:r>
+          </a:p>
+        </p:txBody>
+      </p:sp>
+      <p:sp>
+        <p:nvSpPr>
+          <p:cNvPr id="3" name="Espace réservé du contenu 2">
+            <a:extLst>
+              <a:ext uri="{FF2B5EF4-FFF2-40B4-BE49-F238E27FC236}">
+                <a16:creationId xmlns:a16="http://schemas.microsoft.com/office/drawing/2014/main" id="{D7C55BE9-DE91-4E4B-9EA8-02888E2966F7}"/>
+              </a:ext>
+            </a:extLst>
+          </p:cNvPr>
+          <p:cNvSpPr>
+            <a:spLocks noGrp="1"/>
+          </p:cNvSpPr>
+          <p:nvPr>
+            <p:ph idx="1"/>
+          </p:nvPr>
+        </p:nvSpPr>
+        <p:spPr>
+          <a:xfrm>
+            <a:off x="685800" y="2641017"/>
+            <a:ext cx="4286899" cy="3854112"/>
           </a:xfrm>
         </p:spPr>
         <p:txBody>
@@ -7112,71 +7159,56 @@
           <a:lstStyle/>
           <a:p>
             <a:r>
-              <a:rPr lang="fr-FR" dirty="0"/>
-              <a:t>Les applications</a:t>
-            </a:r>
-          </a:p>
-        </p:txBody>
-      </p:sp>
-      <p:sp>
-        <p:nvSpPr>
-          <p:cNvPr id="3" name="Espace réservé du contenu 2">
+              <a:rPr lang="fr-FR" sz="1600" dirty="0" err="1"/>
+              <a:t>Dataset</a:t>
+            </a:r>
+            <a:r>
+              <a:rPr lang="fr-FR" sz="1600" dirty="0"/>
+              <a:t> de paires croquis-image : 	    17 702 échantillons (16 860 / 842)</a:t>
+            </a:r>
+          </a:p>
+          <a:p>
+            <a:endParaRPr lang="fr-FR" sz="1600" dirty="0"/>
+          </a:p>
+          <a:p>
+            <a:r>
+              <a:rPr lang="fr-FR" sz="1600" dirty="0"/>
+              <a:t>3 modules principaux, 2 réseaux de neurones profonds</a:t>
+            </a:r>
+          </a:p>
+          <a:p>
+            <a:endParaRPr lang="fr-FR" sz="1600" dirty="0"/>
+          </a:p>
+          <a:p>
+            <a:r>
+              <a:rPr lang="fr-FR" sz="1600" dirty="0"/>
+              <a:t>4 caractéristiques afin d’identifier un visage</a:t>
+            </a:r>
+          </a:p>
+          <a:p>
+            <a:endParaRPr lang="fr-FR" sz="1600" dirty="0"/>
+          </a:p>
+          <a:p>
+            <a:r>
+              <a:rPr lang="fr-FR" sz="1600" dirty="0"/>
+              <a:t>Identification </a:t>
+            </a:r>
+            <a:r>
+              <a:rPr lang="fr-FR" sz="1600" dirty="0">
+                <a:sym typeface="Wingdings" panose="05000000000000000000" pitchFamily="2" charset="2"/>
+              </a:rPr>
+              <a:t> encodage / projection  mapping  synthétisation</a:t>
+            </a:r>
+            <a:endParaRPr lang="fr-FR" sz="1600" dirty="0"/>
+          </a:p>
+        </p:txBody>
+      </p:sp>
+      <p:pic>
+        <p:nvPicPr>
+          <p:cNvPr id="4" name="Image 3">
             <a:extLst>
               <a:ext uri="{FF2B5EF4-FFF2-40B4-BE49-F238E27FC236}">
-                <a16:creationId xmlns:a16="http://schemas.microsoft.com/office/drawing/2014/main" id="{4F2A2B42-4372-4C92-A65F-95925CD40670}"/>
-              </a:ext>
-            </a:extLst>
-          </p:cNvPr>
-          <p:cNvSpPr>
-            <a:spLocks noGrp="1"/>
-          </p:cNvSpPr>
-          <p:nvPr>
-            <p:ph idx="1"/>
-          </p:nvPr>
-        </p:nvSpPr>
-        <p:spPr>
-          <a:xfrm>
-            <a:off x="685800" y="2194560"/>
-            <a:ext cx="6071461" cy="4024125"/>
-          </a:xfrm>
-        </p:spPr>
-        <p:txBody>
-          <a:bodyPr>
-            <a:normAutofit/>
-          </a:bodyPr>
-          <a:lstStyle/>
-          <a:p>
-            <a:r>
-              <a:rPr lang="fr-FR" dirty="0"/>
-              <a:t>Enquêtes criminelles, design de personnages, entrainements éducatifs, ...</a:t>
-            </a:r>
-          </a:p>
-          <a:p>
-            <a:endParaRPr lang="fr-FR" dirty="0"/>
-          </a:p>
-          <a:p>
-            <a:r>
-              <a:rPr lang="fr-FR" dirty="0"/>
-              <a:t>Face Morphing par interpolation linéaire</a:t>
-            </a:r>
-          </a:p>
-          <a:p>
-            <a:endParaRPr lang="fr-FR" dirty="0"/>
-          </a:p>
-          <a:p>
-            <a:r>
-              <a:rPr lang="fr-FR" dirty="0"/>
-              <a:t>Face Copy-Paste, assemblage de différents traits du visage</a:t>
-            </a:r>
-          </a:p>
-        </p:txBody>
-      </p:sp>
-      <p:pic>
-        <p:nvPicPr>
-          <p:cNvPr id="5" name="Image 4">
-            <a:extLst>
-              <a:ext uri="{FF2B5EF4-FFF2-40B4-BE49-F238E27FC236}">
-                <a16:creationId xmlns:a16="http://schemas.microsoft.com/office/drawing/2014/main" id="{3A6CB048-B591-4F08-BCE5-43A1693DD8DB}"/>
+                <a16:creationId xmlns:a16="http://schemas.microsoft.com/office/drawing/2014/main" id="{08251D5C-F4D6-469D-AACA-B05E651EC996}"/>
               </a:ext>
             </a:extLst>
           </p:cNvPr>
@@ -7185,44 +7217,16 @@
           </p:cNvPicPr>
           <p:nvPr/>
         </p:nvPicPr>
-        <p:blipFill rotWithShape="1">
-          <a:blip r:embed="rId2"/>
-          <a:srcRect l="14572" r="21070" b="2"/>
-          <a:stretch/>
+        <p:blipFill>
+          <a:blip r:embed="rId3"/>
+          <a:stretch>
+            <a:fillRect/>
+          </a:stretch>
         </p:blipFill>
         <p:spPr>
           <a:xfrm>
-            <a:off x="7291754" y="2229566"/>
-            <a:ext cx="4085492" cy="1920240"/>
-          </a:xfrm>
-          <a:prstGeom prst="rect">
-            <a:avLst/>
-          </a:prstGeom>
-        </p:spPr>
-      </p:pic>
-      <p:pic>
-        <p:nvPicPr>
-          <p:cNvPr id="4" name="Image 3">
-            <a:extLst>
-              <a:ext uri="{FF2B5EF4-FFF2-40B4-BE49-F238E27FC236}">
-                <a16:creationId xmlns:a16="http://schemas.microsoft.com/office/drawing/2014/main" id="{10F326F2-25FB-48DA-83FC-8F0E6E719131}"/>
-              </a:ext>
-            </a:extLst>
-          </p:cNvPr>
-          <p:cNvPicPr>
-            <a:picLocks noChangeAspect="1"/>
-          </p:cNvPicPr>
-          <p:nvPr/>
-        </p:nvPicPr>
-        <p:blipFill rotWithShape="1">
-          <a:blip r:embed="rId3"/>
-          <a:srcRect r="2661" b="-1"/>
-          <a:stretch/>
-        </p:blipFill>
-        <p:spPr>
-          <a:xfrm>
-            <a:off x="7291754" y="4298445"/>
-            <a:ext cx="4085492" cy="1920240"/>
+            <a:off x="4972699" y="1457020"/>
+            <a:ext cx="6533501" cy="4050770"/>
           </a:xfrm>
           <a:prstGeom prst="rect">
             <a:avLst/>
@@ -7232,7 +7236,7 @@
     </p:spTree>
     <p:extLst>
       <p:ext uri="{BB962C8B-B14F-4D97-AF65-F5344CB8AC3E}">
-        <p14:creationId xmlns:p14="http://schemas.microsoft.com/office/powerpoint/2010/main" val="3758709484"/>
+        <p14:creationId xmlns:p14="http://schemas.microsoft.com/office/powerpoint/2010/main" val="3190423085"/>
       </p:ext>
     </p:extLst>
   </p:cSld>
@@ -7272,6 +7276,190 @@
           <p:cNvPr id="2" name="Titre 1">
             <a:extLst>
               <a:ext uri="{FF2B5EF4-FFF2-40B4-BE49-F238E27FC236}">
+                <a16:creationId xmlns:a16="http://schemas.microsoft.com/office/drawing/2014/main" id="{976F80D1-03E6-4887-83B1-53CF8EC96ECA}"/>
+              </a:ext>
+            </a:extLst>
+          </p:cNvPr>
+          <p:cNvSpPr>
+            <a:spLocks noGrp="1"/>
+          </p:cNvSpPr>
+          <p:nvPr>
+            <p:ph type="title"/>
+          </p:nvPr>
+        </p:nvSpPr>
+        <p:spPr>
+          <a:xfrm>
+            <a:off x="2895600" y="764373"/>
+            <a:ext cx="8610600" cy="1293028"/>
+          </a:xfrm>
+        </p:spPr>
+        <p:txBody>
+          <a:bodyPr>
+            <a:normAutofit/>
+          </a:bodyPr>
+          <a:lstStyle/>
+          <a:p>
+            <a:r>
+              <a:rPr lang="fr-FR" dirty="0"/>
+              <a:t>Les applications</a:t>
+            </a:r>
+          </a:p>
+        </p:txBody>
+      </p:sp>
+      <p:sp>
+        <p:nvSpPr>
+          <p:cNvPr id="3" name="Espace réservé du contenu 2">
+            <a:extLst>
+              <a:ext uri="{FF2B5EF4-FFF2-40B4-BE49-F238E27FC236}">
+                <a16:creationId xmlns:a16="http://schemas.microsoft.com/office/drawing/2014/main" id="{4F2A2B42-4372-4C92-A65F-95925CD40670}"/>
+              </a:ext>
+            </a:extLst>
+          </p:cNvPr>
+          <p:cNvSpPr>
+            <a:spLocks noGrp="1"/>
+          </p:cNvSpPr>
+          <p:nvPr>
+            <p:ph idx="1"/>
+          </p:nvPr>
+        </p:nvSpPr>
+        <p:spPr>
+          <a:xfrm>
+            <a:off x="685800" y="2194560"/>
+            <a:ext cx="6071461" cy="4024125"/>
+          </a:xfrm>
+        </p:spPr>
+        <p:txBody>
+          <a:bodyPr>
+            <a:normAutofit/>
+          </a:bodyPr>
+          <a:lstStyle/>
+          <a:p>
+            <a:r>
+              <a:rPr lang="fr-FR" dirty="0"/>
+              <a:t>Enquêtes criminelles, design de personnages, entrainements éducatifs, ...</a:t>
+            </a:r>
+          </a:p>
+          <a:p>
+            <a:endParaRPr lang="fr-FR" dirty="0"/>
+          </a:p>
+          <a:p>
+            <a:r>
+              <a:rPr lang="fr-FR" dirty="0"/>
+              <a:t>Face Morphing par interpolation linéaire</a:t>
+            </a:r>
+          </a:p>
+          <a:p>
+            <a:endParaRPr lang="fr-FR" dirty="0"/>
+          </a:p>
+          <a:p>
+            <a:r>
+              <a:rPr lang="fr-FR" dirty="0"/>
+              <a:t>Face Copy-Paste, assemblage de différents traits du visage</a:t>
+            </a:r>
+          </a:p>
+        </p:txBody>
+      </p:sp>
+      <p:pic>
+        <p:nvPicPr>
+          <p:cNvPr id="5" name="Image 4">
+            <a:extLst>
+              <a:ext uri="{FF2B5EF4-FFF2-40B4-BE49-F238E27FC236}">
+                <a16:creationId xmlns:a16="http://schemas.microsoft.com/office/drawing/2014/main" id="{3A6CB048-B591-4F08-BCE5-43A1693DD8DB}"/>
+              </a:ext>
+            </a:extLst>
+          </p:cNvPr>
+          <p:cNvPicPr>
+            <a:picLocks noChangeAspect="1"/>
+          </p:cNvPicPr>
+          <p:nvPr/>
+        </p:nvPicPr>
+        <p:blipFill rotWithShape="1">
+          <a:blip r:embed="rId2"/>
+          <a:srcRect l="14572" r="21070" b="2"/>
+          <a:stretch/>
+        </p:blipFill>
+        <p:spPr>
+          <a:xfrm>
+            <a:off x="7291754" y="2229566"/>
+            <a:ext cx="4085492" cy="1920240"/>
+          </a:xfrm>
+          <a:prstGeom prst="rect">
+            <a:avLst/>
+          </a:prstGeom>
+        </p:spPr>
+      </p:pic>
+      <p:pic>
+        <p:nvPicPr>
+          <p:cNvPr id="4" name="Image 3">
+            <a:extLst>
+              <a:ext uri="{FF2B5EF4-FFF2-40B4-BE49-F238E27FC236}">
+                <a16:creationId xmlns:a16="http://schemas.microsoft.com/office/drawing/2014/main" id="{10F326F2-25FB-48DA-83FC-8F0E6E719131}"/>
+              </a:ext>
+            </a:extLst>
+          </p:cNvPr>
+          <p:cNvPicPr>
+            <a:picLocks noChangeAspect="1"/>
+          </p:cNvPicPr>
+          <p:nvPr/>
+        </p:nvPicPr>
+        <p:blipFill rotWithShape="1">
+          <a:blip r:embed="rId3"/>
+          <a:srcRect r="2661" b="-1"/>
+          <a:stretch/>
+        </p:blipFill>
+        <p:spPr>
+          <a:xfrm>
+            <a:off x="7291754" y="4298445"/>
+            <a:ext cx="4085492" cy="1920240"/>
+          </a:xfrm>
+          <a:prstGeom prst="rect">
+            <a:avLst/>
+          </a:prstGeom>
+        </p:spPr>
+      </p:pic>
+    </p:spTree>
+    <p:extLst>
+      <p:ext uri="{BB962C8B-B14F-4D97-AF65-F5344CB8AC3E}">
+        <p14:creationId xmlns:p14="http://schemas.microsoft.com/office/powerpoint/2010/main" val="3758709484"/>
+      </p:ext>
+    </p:extLst>
+  </p:cSld>
+  <p:clrMapOvr>
+    <a:masterClrMapping/>
+  </p:clrMapOvr>
+</p:sld>
+</file>
+
+<file path=ppt/slides/slide8.xml><?xml version="1.0" encoding="utf-8"?>
+<p:sld xmlns:a="http://schemas.openxmlformats.org/drawingml/2006/main" xmlns:r="http://schemas.openxmlformats.org/officeDocument/2006/relationships" xmlns:p="http://schemas.openxmlformats.org/presentationml/2006/main">
+  <p:cSld>
+    <p:bg>
+      <p:bgPr>
+        <a:solidFill>
+          <a:schemeClr val="bg1"/>
+        </a:solidFill>
+        <a:effectLst/>
+      </p:bgPr>
+    </p:bg>
+    <p:spTree>
+      <p:nvGrpSpPr>
+        <p:cNvPr id="1" name=""/>
+        <p:cNvGrpSpPr/>
+        <p:nvPr/>
+      </p:nvGrpSpPr>
+      <p:grpSpPr>
+        <a:xfrm>
+          <a:off x="0" y="0"/>
+          <a:ext cx="0" cy="0"/>
+          <a:chOff x="0" y="0"/>
+          <a:chExt cx="0" cy="0"/>
+        </a:xfrm>
+      </p:grpSpPr>
+      <p:sp>
+        <p:nvSpPr>
+          <p:cNvPr id="2" name="Titre 1">
+            <a:extLst>
+              <a:ext uri="{FF2B5EF4-FFF2-40B4-BE49-F238E27FC236}">
                 <a16:creationId xmlns:a16="http://schemas.microsoft.com/office/drawing/2014/main" id="{151BE17B-6100-47E0-B1CC-A0BB48DF4FB4}"/>
               </a:ext>
             </a:extLst>
@@ -7425,7 +7613,7 @@
 </p:sld>
 </file>
 
-<file path=ppt/slides/slide8.xml><?xml version="1.0" encoding="utf-8"?>
+<file path=ppt/slides/slide9.xml><?xml version="1.0" encoding="utf-8"?>
 <p:sld xmlns:a="http://schemas.openxmlformats.org/drawingml/2006/main" xmlns:r="http://schemas.openxmlformats.org/officeDocument/2006/relationships" xmlns:p="http://schemas.openxmlformats.org/presentationml/2006/main">
   <p:cSld>
     <p:bg>
